--- a/assets/프레젠테이션2.pptx
+++ b/assets/프레젠테이션2.pptx
@@ -104,6 +104,11 @@
       </a:defRPr>
     </a:lvl9pPr>
   </p:defaultTextStyle>
+  <p:extLst>
+    <p:ext uri="{EFAFB233-063F-42B5-8137-9DF3F51BA10A}">
+      <p15:sldGuideLst xmlns:p15="http://schemas.microsoft.com/office/powerpoint/2012/main"/>
+    </p:ext>
+  </p:extLst>
 </p:presentation>
 </file>
 
@@ -3335,7 +3340,7 @@
         </p:nvSpPr>
         <p:spPr>
           <a:xfrm>
-            <a:off x="1589103" y="1926454"/>
+            <a:off x="508987" y="945471"/>
             <a:ext cx="2095130" cy="1953087"/>
           </a:xfrm>
           <a:prstGeom prst="triangle">
@@ -3387,7 +3392,7 @@
         </p:nvSpPr>
         <p:spPr>
           <a:xfrm rot="10800000">
-            <a:off x="4580878" y="1926453"/>
+            <a:off x="2601158" y="945471"/>
             <a:ext cx="2095130" cy="1953087"/>
           </a:xfrm>
           <a:prstGeom prst="triangle">
@@ -3439,7 +3444,7 @@
         </p:nvSpPr>
         <p:spPr>
           <a:xfrm>
-            <a:off x="8105313" y="2006353"/>
+            <a:off x="5513033" y="878889"/>
             <a:ext cx="1775534" cy="1784412"/>
           </a:xfrm>
           <a:prstGeom prst="rect">
@@ -3493,7 +3498,7 @@
         </p:nvSpPr>
         <p:spPr>
           <a:xfrm>
-            <a:off x="6241002" y="4651900"/>
+            <a:off x="8451542" y="1376037"/>
             <a:ext cx="1047565" cy="1091953"/>
           </a:xfrm>
           <a:prstGeom prst="ellipse">
@@ -3531,6 +3536,578 @@
           </a:p>
         </p:txBody>
       </p:sp>
+      <p:sp>
+        <p:nvSpPr>
+          <p:cNvPr id="11" name="자유형: 도형 10">
+            <a:extLst>
+              <a:ext uri="{FF2B5EF4-FFF2-40B4-BE49-F238E27FC236}">
+                <a16:creationId xmlns:a16="http://schemas.microsoft.com/office/drawing/2014/main" id="{1FB02629-8565-423C-AE15-8063C2F262C6}"/>
+              </a:ext>
+            </a:extLst>
+          </p:cNvPr>
+          <p:cNvSpPr/>
+          <p:nvPr/>
+        </p:nvSpPr>
+        <p:spPr>
+          <a:xfrm>
+            <a:off x="872972" y="4944859"/>
+            <a:ext cx="1367159" cy="1180732"/>
+          </a:xfrm>
+          <a:custGeom>
+            <a:avLst/>
+            <a:gdLst>
+              <a:gd name="connsiteX0" fmla="*/ 683580 w 1367159"/>
+              <a:gd name="connsiteY0" fmla="*/ 0 h 1180732"/>
+              <a:gd name="connsiteX1" fmla="*/ 905671 w 1367159"/>
+              <a:gd name="connsiteY1" fmla="*/ 720444 h 1180732"/>
+              <a:gd name="connsiteX2" fmla="*/ 1127461 w 1367159"/>
+              <a:gd name="connsiteY2" fmla="*/ 337352 h 1180732"/>
+              <a:gd name="connsiteX3" fmla="*/ 1367159 w 1367159"/>
+              <a:gd name="connsiteY3" fmla="*/ 1180731 h 1180732"/>
+              <a:gd name="connsiteX4" fmla="*/ 1047564 w 1367159"/>
+              <a:gd name="connsiteY4" fmla="*/ 1180731 h 1180732"/>
+              <a:gd name="connsiteX5" fmla="*/ 727969 w 1367159"/>
+              <a:gd name="connsiteY5" fmla="*/ 1180731 h 1180732"/>
+              <a:gd name="connsiteX6" fmla="*/ 727969 w 1367159"/>
+              <a:gd name="connsiteY6" fmla="*/ 1180732 h 1180732"/>
+              <a:gd name="connsiteX7" fmla="*/ 0 w 1367159"/>
+              <a:gd name="connsiteY7" fmla="*/ 1180732 h 1180732"/>
+              <a:gd name="connsiteX8" fmla="*/ 221943 w 1367159"/>
+              <a:gd name="connsiteY8" fmla="*/ 337353 h 1180732"/>
+              <a:gd name="connsiteX9" fmla="*/ 458199 w 1367159"/>
+              <a:gd name="connsiteY9" fmla="*/ 731114 h 1180732"/>
+            </a:gdLst>
+            <a:ahLst/>
+            <a:cxnLst>
+              <a:cxn ang="0">
+                <a:pos x="connsiteX0" y="connsiteY0"/>
+              </a:cxn>
+              <a:cxn ang="0">
+                <a:pos x="connsiteX1" y="connsiteY1"/>
+              </a:cxn>
+              <a:cxn ang="0">
+                <a:pos x="connsiteX2" y="connsiteY2"/>
+              </a:cxn>
+              <a:cxn ang="0">
+                <a:pos x="connsiteX3" y="connsiteY3"/>
+              </a:cxn>
+              <a:cxn ang="0">
+                <a:pos x="connsiteX4" y="connsiteY4"/>
+              </a:cxn>
+              <a:cxn ang="0">
+                <a:pos x="connsiteX5" y="connsiteY5"/>
+              </a:cxn>
+              <a:cxn ang="0">
+                <a:pos x="connsiteX6" y="connsiteY6"/>
+              </a:cxn>
+              <a:cxn ang="0">
+                <a:pos x="connsiteX7" y="connsiteY7"/>
+              </a:cxn>
+              <a:cxn ang="0">
+                <a:pos x="connsiteX8" y="connsiteY8"/>
+              </a:cxn>
+              <a:cxn ang="0">
+                <a:pos x="connsiteX9" y="connsiteY9"/>
+              </a:cxn>
+            </a:cxnLst>
+            <a:rect l="l" t="t" r="r" b="b"/>
+            <a:pathLst>
+              <a:path w="1367159" h="1180732">
+                <a:moveTo>
+                  <a:pt x="683580" y="0"/>
+                </a:moveTo>
+                <a:lnTo>
+                  <a:pt x="905671" y="720444"/>
+                </a:lnTo>
+                <a:lnTo>
+                  <a:pt x="1127461" y="337352"/>
+                </a:lnTo>
+                <a:lnTo>
+                  <a:pt x="1367159" y="1180731"/>
+                </a:lnTo>
+                <a:lnTo>
+                  <a:pt x="1047564" y="1180731"/>
+                </a:lnTo>
+                <a:lnTo>
+                  <a:pt x="727969" y="1180731"/>
+                </a:lnTo>
+                <a:lnTo>
+                  <a:pt x="727969" y="1180732"/>
+                </a:lnTo>
+                <a:lnTo>
+                  <a:pt x="0" y="1180732"/>
+                </a:lnTo>
+                <a:lnTo>
+                  <a:pt x="221943" y="337353"/>
+                </a:lnTo>
+                <a:lnTo>
+                  <a:pt x="458199" y="731114"/>
+                </a:lnTo>
+                <a:close/>
+              </a:path>
+            </a:pathLst>
+          </a:custGeom>
+          <a:solidFill>
+            <a:srgbClr val="FF4F09"/>
+          </a:solidFill>
+          <a:ln w="76200">
+            <a:solidFill>
+              <a:srgbClr val="C43800"/>
+            </a:solidFill>
+          </a:ln>
+        </p:spPr>
+        <p:style>
+          <a:lnRef idx="2">
+            <a:schemeClr val="accent1">
+              <a:shade val="50000"/>
+            </a:schemeClr>
+          </a:lnRef>
+          <a:fillRef idx="1">
+            <a:schemeClr val="accent1"/>
+          </a:fillRef>
+          <a:effectRef idx="0">
+            <a:schemeClr val="accent1"/>
+          </a:effectRef>
+          <a:fontRef idx="minor">
+            <a:schemeClr val="lt1"/>
+          </a:fontRef>
+        </p:style>
+        <p:txBody>
+          <a:bodyPr wrap="square" rtlCol="0" anchor="ctr">
+            <a:noAutofit/>
+          </a:bodyPr>
+          <a:lstStyle/>
+          <a:p>
+            <a:pPr algn="ctr"/>
+            <a:endParaRPr lang="ko-KR" altLang="en-US"/>
+          </a:p>
+        </p:txBody>
+      </p:sp>
+      <p:sp>
+        <p:nvSpPr>
+          <p:cNvPr id="3" name="TextBox 2">
+            <a:extLst>
+              <a:ext uri="{FF2B5EF4-FFF2-40B4-BE49-F238E27FC236}">
+                <a16:creationId xmlns:a16="http://schemas.microsoft.com/office/drawing/2014/main" id="{26A12968-15C4-489F-B8D2-DBBFC4D66037}"/>
+              </a:ext>
+            </a:extLst>
+          </p:cNvPr>
+          <p:cNvSpPr txBox="1"/>
+          <p:nvPr/>
+        </p:nvSpPr>
+        <p:spPr>
+          <a:xfrm>
+            <a:off x="234656" y="435006"/>
+            <a:ext cx="638316" cy="369332"/>
+          </a:xfrm>
+          <a:prstGeom prst="rect">
+            <a:avLst/>
+          </a:prstGeom>
+          <a:noFill/>
+        </p:spPr>
+        <p:txBody>
+          <a:bodyPr wrap="none" rtlCol="0">
+            <a:spAutoFit/>
+          </a:bodyPr>
+          <a:lstStyle/>
+          <a:p>
+            <a:r>
+              <a:rPr lang="en-US" altLang="ko-KR" dirty="0"/>
+              <a:t>OLD</a:t>
+            </a:r>
+          </a:p>
+        </p:txBody>
+      </p:sp>
+      <p:sp>
+        <p:nvSpPr>
+          <p:cNvPr id="12" name="TextBox 11">
+            <a:extLst>
+              <a:ext uri="{FF2B5EF4-FFF2-40B4-BE49-F238E27FC236}">
+                <a16:creationId xmlns:a16="http://schemas.microsoft.com/office/drawing/2014/main" id="{AEB688E4-DA76-4BD5-A49F-BD663E387E7F}"/>
+              </a:ext>
+            </a:extLst>
+          </p:cNvPr>
+          <p:cNvSpPr txBox="1"/>
+          <p:nvPr/>
+        </p:nvSpPr>
+        <p:spPr>
+          <a:xfrm>
+            <a:off x="189829" y="3844031"/>
+            <a:ext cx="702693" cy="369332"/>
+          </a:xfrm>
+          <a:prstGeom prst="rect">
+            <a:avLst/>
+          </a:prstGeom>
+          <a:noFill/>
+        </p:spPr>
+        <p:txBody>
+          <a:bodyPr wrap="none" rtlCol="0">
+            <a:spAutoFit/>
+          </a:bodyPr>
+          <a:lstStyle/>
+          <a:p>
+            <a:r>
+              <a:rPr lang="en-US" altLang="ko-KR" dirty="0"/>
+              <a:t>NEW</a:t>
+            </a:r>
+          </a:p>
+        </p:txBody>
+      </p:sp>
+      <p:sp>
+        <p:nvSpPr>
+          <p:cNvPr id="14" name="자유형: 도형 13">
+            <a:extLst>
+              <a:ext uri="{FF2B5EF4-FFF2-40B4-BE49-F238E27FC236}">
+                <a16:creationId xmlns:a16="http://schemas.microsoft.com/office/drawing/2014/main" id="{CA9E487A-0EB7-456C-AC13-F6DD55DF5197}"/>
+              </a:ext>
+            </a:extLst>
+          </p:cNvPr>
+          <p:cNvSpPr/>
+          <p:nvPr/>
+        </p:nvSpPr>
+        <p:spPr>
+          <a:xfrm rot="10800000">
+            <a:off x="3275859" y="4213363"/>
+            <a:ext cx="1118588" cy="2073149"/>
+          </a:xfrm>
+          <a:custGeom>
+            <a:avLst/>
+            <a:gdLst>
+              <a:gd name="connsiteX0" fmla="*/ 559293 w 1118588"/>
+              <a:gd name="connsiteY0" fmla="*/ 2073149 h 2073149"/>
+              <a:gd name="connsiteX1" fmla="*/ 0 w 1118588"/>
+              <a:gd name="connsiteY1" fmla="*/ 631437 h 2073149"/>
+              <a:gd name="connsiteX2" fmla="*/ 1 w 1118588"/>
+              <a:gd name="connsiteY2" fmla="*/ 631437 h 2073149"/>
+              <a:gd name="connsiteX3" fmla="*/ 559295 w 1118588"/>
+              <a:gd name="connsiteY3" fmla="*/ 0 h 2073149"/>
+              <a:gd name="connsiteX4" fmla="*/ 1118588 w 1118588"/>
+              <a:gd name="connsiteY4" fmla="*/ 631437 h 2073149"/>
+              <a:gd name="connsiteX5" fmla="*/ 1118587 w 1118588"/>
+              <a:gd name="connsiteY5" fmla="*/ 631437 h 2073149"/>
+            </a:gdLst>
+            <a:ahLst/>
+            <a:cxnLst>
+              <a:cxn ang="0">
+                <a:pos x="connsiteX0" y="connsiteY0"/>
+              </a:cxn>
+              <a:cxn ang="0">
+                <a:pos x="connsiteX1" y="connsiteY1"/>
+              </a:cxn>
+              <a:cxn ang="0">
+                <a:pos x="connsiteX2" y="connsiteY2"/>
+              </a:cxn>
+              <a:cxn ang="0">
+                <a:pos x="connsiteX3" y="connsiteY3"/>
+              </a:cxn>
+              <a:cxn ang="0">
+                <a:pos x="connsiteX4" y="connsiteY4"/>
+              </a:cxn>
+              <a:cxn ang="0">
+                <a:pos x="connsiteX5" y="connsiteY5"/>
+              </a:cxn>
+            </a:cxnLst>
+            <a:rect l="l" t="t" r="r" b="b"/>
+            <a:pathLst>
+              <a:path w="1118588" h="2073149">
+                <a:moveTo>
+                  <a:pt x="559293" y="2073149"/>
+                </a:moveTo>
+                <a:lnTo>
+                  <a:pt x="0" y="631437"/>
+                </a:lnTo>
+                <a:lnTo>
+                  <a:pt x="1" y="631437"/>
+                </a:lnTo>
+                <a:lnTo>
+                  <a:pt x="559295" y="0"/>
+                </a:lnTo>
+                <a:lnTo>
+                  <a:pt x="1118588" y="631437"/>
+                </a:lnTo>
+                <a:lnTo>
+                  <a:pt x="1118587" y="631437"/>
+                </a:lnTo>
+                <a:close/>
+              </a:path>
+            </a:pathLst>
+          </a:custGeom>
+          <a:solidFill>
+            <a:srgbClr val="09BFFF"/>
+          </a:solidFill>
+          <a:ln w="76200">
+            <a:solidFill>
+              <a:srgbClr val="008EC0"/>
+            </a:solidFill>
+          </a:ln>
+        </p:spPr>
+        <p:style>
+          <a:lnRef idx="2">
+            <a:schemeClr val="accent1">
+              <a:shade val="50000"/>
+            </a:schemeClr>
+          </a:lnRef>
+          <a:fillRef idx="1">
+            <a:schemeClr val="accent1"/>
+          </a:fillRef>
+          <a:effectRef idx="0">
+            <a:schemeClr val="accent1"/>
+          </a:effectRef>
+          <a:fontRef idx="minor">
+            <a:schemeClr val="lt1"/>
+          </a:fontRef>
+        </p:style>
+        <p:txBody>
+          <a:bodyPr wrap="square" rtlCol="0" anchor="ctr">
+            <a:noAutofit/>
+          </a:bodyPr>
+          <a:lstStyle/>
+          <a:p>
+            <a:pPr algn="ctr"/>
+            <a:endParaRPr lang="ko-KR" altLang="en-US"/>
+          </a:p>
+        </p:txBody>
+      </p:sp>
+      <p:sp>
+        <p:nvSpPr>
+          <p:cNvPr id="16" name="육각형 15">
+            <a:extLst>
+              <a:ext uri="{FF2B5EF4-FFF2-40B4-BE49-F238E27FC236}">
+                <a16:creationId xmlns:a16="http://schemas.microsoft.com/office/drawing/2014/main" id="{6B32F6C3-8A64-404E-B9C4-79CDAC0F8E6E}"/>
+              </a:ext>
+            </a:extLst>
+          </p:cNvPr>
+          <p:cNvSpPr/>
+          <p:nvPr/>
+        </p:nvSpPr>
+        <p:spPr>
+          <a:xfrm>
+            <a:off x="5615126" y="4749552"/>
+            <a:ext cx="1571347" cy="1376039"/>
+          </a:xfrm>
+          <a:prstGeom prst="hexagon">
+            <a:avLst>
+              <a:gd name="adj" fmla="val 27581"/>
+              <a:gd name="vf" fmla="val 115470"/>
+            </a:avLst>
+          </a:prstGeom>
+          <a:solidFill>
+            <a:srgbClr val="6E4600"/>
+          </a:solidFill>
+          <a:ln w="76200">
+            <a:solidFill>
+              <a:srgbClr val="422A00"/>
+            </a:solidFill>
+          </a:ln>
+        </p:spPr>
+        <p:style>
+          <a:lnRef idx="2">
+            <a:schemeClr val="accent1">
+              <a:shade val="50000"/>
+            </a:schemeClr>
+          </a:lnRef>
+          <a:fillRef idx="1">
+            <a:schemeClr val="accent1"/>
+          </a:fillRef>
+          <a:effectRef idx="0">
+            <a:schemeClr val="accent1"/>
+          </a:effectRef>
+          <a:fontRef idx="minor">
+            <a:schemeClr val="lt1"/>
+          </a:fontRef>
+        </p:style>
+        <p:txBody>
+          <a:bodyPr rtlCol="0" anchor="ctr"/>
+          <a:lstStyle/>
+          <a:p>
+            <a:pPr algn="ctr"/>
+            <a:endParaRPr lang="ko-KR" altLang="en-US"/>
+          </a:p>
+        </p:txBody>
+      </p:sp>
+      <p:grpSp>
+        <p:nvGrpSpPr>
+          <p:cNvPr id="24" name="그룹 23">
+            <a:extLst>
+              <a:ext uri="{FF2B5EF4-FFF2-40B4-BE49-F238E27FC236}">
+                <a16:creationId xmlns:a16="http://schemas.microsoft.com/office/drawing/2014/main" id="{B4F5B18F-D54A-4A81-A507-DE53707DACD3}"/>
+              </a:ext>
+            </a:extLst>
+          </p:cNvPr>
+          <p:cNvGrpSpPr/>
+          <p:nvPr/>
+        </p:nvGrpSpPr>
+        <p:grpSpPr>
+          <a:xfrm>
+            <a:off x="8140824" y="4645236"/>
+            <a:ext cx="1469255" cy="1364947"/>
+            <a:chOff x="8140824" y="4645236"/>
+            <a:chExt cx="1469255" cy="1364947"/>
+          </a:xfrm>
+        </p:grpSpPr>
+        <p:sp>
+          <p:nvSpPr>
+            <p:cNvPr id="19" name="타원 18">
+              <a:extLst>
+                <a:ext uri="{FF2B5EF4-FFF2-40B4-BE49-F238E27FC236}">
+                  <a16:creationId xmlns:a16="http://schemas.microsoft.com/office/drawing/2014/main" id="{59FD4C21-FFAB-42D8-AC28-F0307E307999}"/>
+                </a:ext>
+              </a:extLst>
+            </p:cNvPr>
+            <p:cNvSpPr/>
+            <p:nvPr/>
+          </p:nvSpPr>
+          <p:spPr>
+            <a:xfrm>
+              <a:off x="8140824" y="5473084"/>
+              <a:ext cx="532660" cy="528221"/>
+            </a:xfrm>
+            <a:prstGeom prst="ellipse">
+              <a:avLst/>
+            </a:prstGeom>
+            <a:solidFill>
+              <a:srgbClr val="E7E6E6"/>
+            </a:solidFill>
+            <a:ln w="76200">
+              <a:solidFill>
+                <a:srgbClr val="999595"/>
+              </a:solidFill>
+            </a:ln>
+          </p:spPr>
+          <p:style>
+            <a:lnRef idx="2">
+              <a:schemeClr val="accent1">
+                <a:shade val="50000"/>
+              </a:schemeClr>
+            </a:lnRef>
+            <a:fillRef idx="1">
+              <a:schemeClr val="accent1"/>
+            </a:fillRef>
+            <a:effectRef idx="0">
+              <a:schemeClr val="accent1"/>
+            </a:effectRef>
+            <a:fontRef idx="minor">
+              <a:schemeClr val="lt1"/>
+            </a:fontRef>
+          </p:style>
+          <p:txBody>
+            <a:bodyPr rtlCol="0" anchor="ctr"/>
+            <a:lstStyle/>
+            <a:p>
+              <a:pPr algn="ctr"/>
+              <a:endParaRPr lang="ko-KR" altLang="en-US"/>
+            </a:p>
+          </p:txBody>
+        </p:sp>
+        <p:sp>
+          <p:nvSpPr>
+            <p:cNvPr id="22" name="타원 21">
+              <a:extLst>
+                <a:ext uri="{FF2B5EF4-FFF2-40B4-BE49-F238E27FC236}">
+                  <a16:creationId xmlns:a16="http://schemas.microsoft.com/office/drawing/2014/main" id="{09E768CA-CF04-48C1-B50A-3BAF231CEAEC}"/>
+                </a:ext>
+              </a:extLst>
+            </p:cNvPr>
+            <p:cNvSpPr/>
+            <p:nvPr/>
+          </p:nvSpPr>
+          <p:spPr>
+            <a:xfrm>
+              <a:off x="9077419" y="5481962"/>
+              <a:ext cx="532660" cy="528221"/>
+            </a:xfrm>
+            <a:prstGeom prst="ellipse">
+              <a:avLst/>
+            </a:prstGeom>
+            <a:solidFill>
+              <a:srgbClr val="E7E6E6"/>
+            </a:solidFill>
+            <a:ln w="76200">
+              <a:solidFill>
+                <a:srgbClr val="999595"/>
+              </a:solidFill>
+            </a:ln>
+          </p:spPr>
+          <p:style>
+            <a:lnRef idx="2">
+              <a:schemeClr val="accent1">
+                <a:shade val="50000"/>
+              </a:schemeClr>
+            </a:lnRef>
+            <a:fillRef idx="1">
+              <a:schemeClr val="accent1"/>
+            </a:fillRef>
+            <a:effectRef idx="0">
+              <a:schemeClr val="accent1"/>
+            </a:effectRef>
+            <a:fontRef idx="minor">
+              <a:schemeClr val="lt1"/>
+            </a:fontRef>
+          </p:style>
+          <p:txBody>
+            <a:bodyPr rtlCol="0" anchor="ctr"/>
+            <a:lstStyle/>
+            <a:p>
+              <a:pPr algn="ctr"/>
+              <a:endParaRPr lang="ko-KR" altLang="en-US"/>
+            </a:p>
+          </p:txBody>
+        </p:sp>
+        <p:sp>
+          <p:nvSpPr>
+            <p:cNvPr id="23" name="타원 22">
+              <a:extLst>
+                <a:ext uri="{FF2B5EF4-FFF2-40B4-BE49-F238E27FC236}">
+                  <a16:creationId xmlns:a16="http://schemas.microsoft.com/office/drawing/2014/main" id="{5DFA7390-E389-4BC2-B511-169009566CAD}"/>
+                </a:ext>
+              </a:extLst>
+            </p:cNvPr>
+            <p:cNvSpPr/>
+            <p:nvPr/>
+          </p:nvSpPr>
+          <p:spPr>
+            <a:xfrm>
+              <a:off x="8620216" y="4645236"/>
+              <a:ext cx="532660" cy="528221"/>
+            </a:xfrm>
+            <a:prstGeom prst="ellipse">
+              <a:avLst/>
+            </a:prstGeom>
+            <a:solidFill>
+              <a:srgbClr val="E7E6E6"/>
+            </a:solidFill>
+            <a:ln w="76200">
+              <a:solidFill>
+                <a:srgbClr val="999595"/>
+              </a:solidFill>
+            </a:ln>
+          </p:spPr>
+          <p:style>
+            <a:lnRef idx="2">
+              <a:schemeClr val="accent1">
+                <a:shade val="50000"/>
+              </a:schemeClr>
+            </a:lnRef>
+            <a:fillRef idx="1">
+              <a:schemeClr val="accent1"/>
+            </a:fillRef>
+            <a:effectRef idx="0">
+              <a:schemeClr val="accent1"/>
+            </a:effectRef>
+            <a:fontRef idx="minor">
+              <a:schemeClr val="lt1"/>
+            </a:fontRef>
+          </p:style>
+          <p:txBody>
+            <a:bodyPr rtlCol="0" anchor="ctr"/>
+            <a:lstStyle/>
+            <a:p>
+              <a:pPr algn="ctr"/>
+              <a:endParaRPr lang="ko-KR" altLang="en-US"/>
+            </a:p>
+          </p:txBody>
+        </p:sp>
+      </p:grpSp>
     </p:spTree>
     <p:extLst>
       <p:ext uri="{BB962C8B-B14F-4D97-AF65-F5344CB8AC3E}">
